--- a/Presentation.pptx
+++ b/Presentation.pptx
@@ -113,6 +113,11 @@
       </a:defRPr>
     </a:lvl9pPr>
   </p:defaultTextStyle>
+  <p:extLst>
+    <p:ext uri="{EFAFB233-063F-42B5-8137-9DF3F51BA10A}">
+      <p15:sldGuideLst xmlns:p15="http://schemas.microsoft.com/office/powerpoint/2012/main"/>
+    </p:ext>
+  </p:extLst>
 </p:presentation>
 </file>
 
@@ -4124,20 +4129,6 @@
             </a:r>
           </a:p>
           <a:p>
-            <a:pPr lvl="1" fontAlgn="base"/>
-            <a:r>
-              <a:rPr lang="en-US" dirty="0"/>
-              <a:t>Drop down opening and closing</a:t>
-            </a:r>
-          </a:p>
-          <a:p>
-            <a:pPr lvl="1" fontAlgn="base"/>
-            <a:r>
-              <a:rPr lang="en-US" dirty="0"/>
-              <a:t>Getting the correct review from the NY Times</a:t>
-            </a:r>
-          </a:p>
-          <a:p>
             <a:endParaRPr lang="en-US" dirty="0"/>
           </a:p>
         </p:txBody>
@@ -4245,6 +4236,13 @@
             <a:pPr lvl="1" fontAlgn="base"/>
             <a:r>
               <a:rPr lang="en-US" dirty="0"/>
+              <a:t>API queries</a:t>
+            </a:r>
+          </a:p>
+          <a:p>
+            <a:pPr lvl="1" fontAlgn="base"/>
+            <a:r>
+              <a:rPr lang="en-US" dirty="0"/>
               <a:t>The dropdown screens – targeting dynamic </a:t>
             </a:r>
             <a:r>
@@ -4257,6 +4255,13 @@
             <a:pPr lvl="1" fontAlgn="base"/>
             <a:r>
               <a:rPr lang="en-US" dirty="0"/>
+              <a:t>Drop down opening and closing</a:t>
+            </a:r>
+          </a:p>
+          <a:p>
+            <a:pPr lvl="1" fontAlgn="base"/>
+            <a:r>
+              <a:rPr lang="en-US" dirty="0"/>
               <a:t>Capturing when the enter key pressed and how it affected the input string</a:t>
             </a:r>
           </a:p>
@@ -4264,6 +4269,13 @@
             <a:pPr lvl="1" fontAlgn="base"/>
             <a:r>
               <a:rPr lang="en-US" dirty="0"/>
+              <a:t>Capturing errors from the ajax</a:t>
+            </a:r>
+          </a:p>
+          <a:p>
+            <a:pPr lvl="1" fontAlgn="base"/>
+            <a:r>
+              <a:rPr lang="en-US" dirty="0"/>
               <a:t>Timing with ajax calls</a:t>
             </a:r>
           </a:p>
@@ -4271,8 +4283,16 @@
             <a:pPr lvl="1" fontAlgn="base"/>
             <a:r>
               <a:rPr lang="en-US" dirty="0"/>
-              <a:t>Capturing errors from the ajax</a:t>
-            </a:r>
+              <a:t>Getting the correct review from the NY Times</a:t>
+            </a:r>
+          </a:p>
+          <a:p>
+            <a:pPr lvl="1" fontAlgn="base"/>
+            <a:endParaRPr lang="en-US" dirty="0"/>
+          </a:p>
+          <a:p>
+            <a:pPr lvl="1" fontAlgn="base"/>
+            <a:endParaRPr lang="en-US" dirty="0"/>
           </a:p>
           <a:p>
             <a:endParaRPr lang="en-US" dirty="0"/>
@@ -4382,43 +4402,47 @@
             <a:pPr lvl="1" fontAlgn="base"/>
             <a:r>
               <a:rPr lang="en-US" dirty="0"/>
+              <a:t>Flexible project goals based on API availability &amp; ease of use</a:t>
+            </a:r>
+          </a:p>
+          <a:p>
+            <a:pPr lvl="1" fontAlgn="base"/>
+            <a:r>
+              <a:rPr lang="en-US" dirty="0"/>
+              <a:t>Learning to use Git to coordinate development and conflicts</a:t>
+            </a:r>
+          </a:p>
+          <a:p>
+            <a:pPr lvl="1" fontAlgn="base"/>
+            <a:r>
+              <a:rPr lang="en-US" dirty="0"/>
+              <a:t>Learning Materialize</a:t>
+            </a:r>
+          </a:p>
+          <a:p>
+            <a:pPr lvl="1" fontAlgn="base"/>
+            <a:r>
+              <a:rPr lang="en-US" dirty="0"/>
+              <a:t>Learning about Page Scroll</a:t>
+            </a:r>
+          </a:p>
+          <a:p>
+            <a:pPr lvl="1" fontAlgn="base"/>
+            <a:r>
+              <a:rPr lang="en-US" dirty="0"/>
+              <a:t>Learning about focus</a:t>
+            </a:r>
+          </a:p>
+          <a:p>
+            <a:pPr lvl="1" fontAlgn="base"/>
+            <a:r>
+              <a:rPr lang="en-US" dirty="0"/>
               <a:t>Getting all the challenges to work!</a:t>
             </a:r>
           </a:p>
           <a:p>
             <a:pPr lvl="1" fontAlgn="base"/>
-            <a:r>
-              <a:rPr lang="en-US" dirty="0"/>
-              <a:t>Learning Materialize</a:t>
-            </a:r>
-          </a:p>
-          <a:p>
-            <a:pPr lvl="1" fontAlgn="base"/>
-            <a:r>
-              <a:rPr lang="en-US" dirty="0"/>
-              <a:t>Learning about Page Scroll</a:t>
-            </a:r>
-          </a:p>
-          <a:p>
-            <a:pPr lvl="1" fontAlgn="base"/>
-            <a:r>
-              <a:rPr lang="en-US" dirty="0"/>
-              <a:t>Learning about focus</a:t>
-            </a:r>
-          </a:p>
-          <a:p>
-            <a:pPr lvl="1" fontAlgn="base"/>
-            <a:r>
-              <a:rPr lang="en-US" dirty="0"/>
-              <a:t>Learning to use Git to coordinate development and conflicts</a:t>
-            </a:r>
-          </a:p>
-          <a:p>
-            <a:pPr lvl="1" fontAlgn="base"/>
-            <a:r>
-              <a:rPr lang="en-US" dirty="0"/>
-              <a:t>Flexible project goals based on API availability &amp; ease of use</a:t>
-            </a:r>
+            <a:endParaRPr lang="en-US" dirty="0"/>
           </a:p>
           <a:p>
             <a:pPr lvl="1" fontAlgn="base"/>
